--- a/default_credit_card_client_.pptx
+++ b/default_credit_card_client_.pptx
@@ -5,7 +5,7 @@
     <p:sldMasterId id="2147483648" r:id="rId1"/>
   </p:sldMasterIdLst>
   <p:notesMasterIdLst>
-    <p:notesMasterId r:id="rId19"/>
+    <p:notesMasterId r:id="rId22"/>
   </p:notesMasterIdLst>
   <p:sldIdLst>
     <p:sldId id="256" r:id="rId2"/>
@@ -25,6 +25,9 @@
     <p:sldId id="271" r:id="rId16"/>
     <p:sldId id="272" r:id="rId17"/>
     <p:sldId id="273" r:id="rId18"/>
+    <p:sldId id="275" r:id="rId19"/>
+    <p:sldId id="276" r:id="rId20"/>
+    <p:sldId id="274" r:id="rId21"/>
   </p:sldIdLst>
   <p:sldSz cx="12192000" cy="6858000"/>
   <p:notesSz cx="6858000" cy="9144000"/>
@@ -213,7 +216,7 @@
           <a:p>
             <a:fld id="{6E6670D2-E3AB-B545-8577-051794C697FD}" type="datetimeFigureOut">
               <a:rPr lang="en-US" smtClean="0"/>
-              <a:t>5/27/20</a:t>
+              <a:t>5/28/20</a:t>
             </a:fld>
             <a:endParaRPr lang="en-US"/>
           </a:p>
@@ -648,6 +651,258 @@
 </p:notes>
 </file>
 
+<file path=ppt/notesSlides/notesSlide3.xml><?xml version="1.0" encoding="utf-8"?>
+<p:notes xmlns:a="http://schemas.openxmlformats.org/drawingml/2006/main" xmlns:r="http://schemas.openxmlformats.org/officeDocument/2006/relationships" xmlns:p="http://schemas.openxmlformats.org/presentationml/2006/main">
+  <p:cSld>
+    <p:spTree>
+      <p:nvGrpSpPr>
+        <p:cNvPr id="1" name=""/>
+        <p:cNvGrpSpPr/>
+        <p:nvPr/>
+      </p:nvGrpSpPr>
+      <p:grpSpPr>
+        <a:xfrm>
+          <a:off x="0" y="0"/>
+          <a:ext cx="0" cy="0"/>
+          <a:chOff x="0" y="0"/>
+          <a:chExt cx="0" cy="0"/>
+        </a:xfrm>
+      </p:grpSpPr>
+      <p:sp>
+        <p:nvSpPr>
+          <p:cNvPr id="2" name="Slide Image Placeholder 1"/>
+          <p:cNvSpPr>
+            <a:spLocks noGrp="1" noRot="1" noChangeAspect="1"/>
+          </p:cNvSpPr>
+          <p:nvPr>
+            <p:ph type="sldImg"/>
+          </p:nvPr>
+        </p:nvSpPr>
+        <p:spPr/>
+      </p:sp>
+      <p:sp>
+        <p:nvSpPr>
+          <p:cNvPr id="3" name="Notes Placeholder 2"/>
+          <p:cNvSpPr>
+            <a:spLocks noGrp="1"/>
+          </p:cNvSpPr>
+          <p:nvPr>
+            <p:ph type="body" idx="1"/>
+          </p:nvPr>
+        </p:nvSpPr>
+        <p:spPr/>
+        <p:txBody>
+          <a:bodyPr/>
+          <a:lstStyle/>
+          <a:p>
+            <a:endParaRPr lang="en-US" dirty="0"/>
+          </a:p>
+        </p:txBody>
+      </p:sp>
+      <p:sp>
+        <p:nvSpPr>
+          <p:cNvPr id="4" name="Slide Number Placeholder 3"/>
+          <p:cNvSpPr>
+            <a:spLocks noGrp="1"/>
+          </p:cNvSpPr>
+          <p:nvPr>
+            <p:ph type="sldNum" sz="quarter" idx="5"/>
+          </p:nvPr>
+        </p:nvSpPr>
+        <p:spPr/>
+        <p:txBody>
+          <a:bodyPr/>
+          <a:lstStyle/>
+          <a:p>
+            <a:fld id="{73DF58B2-D92E-7246-ABF8-72657071A3BC}" type="slidenum">
+              <a:rPr lang="en-US" smtClean="0"/>
+              <a:t>18</a:t>
+            </a:fld>
+            <a:endParaRPr lang="en-US"/>
+          </a:p>
+        </p:txBody>
+      </p:sp>
+    </p:spTree>
+    <p:extLst>
+      <p:ext uri="{BB962C8B-B14F-4D97-AF65-F5344CB8AC3E}">
+        <p14:creationId xmlns:p14="http://schemas.microsoft.com/office/powerpoint/2010/main" val="13431390"/>
+      </p:ext>
+    </p:extLst>
+  </p:cSld>
+  <p:clrMapOvr>
+    <a:masterClrMapping/>
+  </p:clrMapOvr>
+</p:notes>
+</file>
+
+<file path=ppt/notesSlides/notesSlide4.xml><?xml version="1.0" encoding="utf-8"?>
+<p:notes xmlns:a="http://schemas.openxmlformats.org/drawingml/2006/main" xmlns:r="http://schemas.openxmlformats.org/officeDocument/2006/relationships" xmlns:p="http://schemas.openxmlformats.org/presentationml/2006/main">
+  <p:cSld>
+    <p:spTree>
+      <p:nvGrpSpPr>
+        <p:cNvPr id="1" name=""/>
+        <p:cNvGrpSpPr/>
+        <p:nvPr/>
+      </p:nvGrpSpPr>
+      <p:grpSpPr>
+        <a:xfrm>
+          <a:off x="0" y="0"/>
+          <a:ext cx="0" cy="0"/>
+          <a:chOff x="0" y="0"/>
+          <a:chExt cx="0" cy="0"/>
+        </a:xfrm>
+      </p:grpSpPr>
+      <p:sp>
+        <p:nvSpPr>
+          <p:cNvPr id="2" name="Slide Image Placeholder 1"/>
+          <p:cNvSpPr>
+            <a:spLocks noGrp="1" noRot="1" noChangeAspect="1"/>
+          </p:cNvSpPr>
+          <p:nvPr>
+            <p:ph type="sldImg"/>
+          </p:nvPr>
+        </p:nvSpPr>
+        <p:spPr/>
+      </p:sp>
+      <p:sp>
+        <p:nvSpPr>
+          <p:cNvPr id="3" name="Notes Placeholder 2"/>
+          <p:cNvSpPr>
+            <a:spLocks noGrp="1"/>
+          </p:cNvSpPr>
+          <p:nvPr>
+            <p:ph type="body" idx="1"/>
+          </p:nvPr>
+        </p:nvSpPr>
+        <p:spPr/>
+        <p:txBody>
+          <a:bodyPr/>
+          <a:lstStyle/>
+          <a:p>
+            <a:endParaRPr lang="en-US" dirty="0"/>
+          </a:p>
+        </p:txBody>
+      </p:sp>
+      <p:sp>
+        <p:nvSpPr>
+          <p:cNvPr id="4" name="Slide Number Placeholder 3"/>
+          <p:cNvSpPr>
+            <a:spLocks noGrp="1"/>
+          </p:cNvSpPr>
+          <p:nvPr>
+            <p:ph type="sldNum" sz="quarter" idx="5"/>
+          </p:nvPr>
+        </p:nvSpPr>
+        <p:spPr/>
+        <p:txBody>
+          <a:bodyPr/>
+          <a:lstStyle/>
+          <a:p>
+            <a:fld id="{73DF58B2-D92E-7246-ABF8-72657071A3BC}" type="slidenum">
+              <a:rPr lang="en-US" smtClean="0"/>
+              <a:t>19</a:t>
+            </a:fld>
+            <a:endParaRPr lang="en-US"/>
+          </a:p>
+        </p:txBody>
+      </p:sp>
+    </p:spTree>
+    <p:extLst>
+      <p:ext uri="{BB962C8B-B14F-4D97-AF65-F5344CB8AC3E}">
+        <p14:creationId xmlns:p14="http://schemas.microsoft.com/office/powerpoint/2010/main" val="1291011086"/>
+      </p:ext>
+    </p:extLst>
+  </p:cSld>
+  <p:clrMapOvr>
+    <a:masterClrMapping/>
+  </p:clrMapOvr>
+</p:notes>
+</file>
+
+<file path=ppt/notesSlides/notesSlide5.xml><?xml version="1.0" encoding="utf-8"?>
+<p:notes xmlns:a="http://schemas.openxmlformats.org/drawingml/2006/main" xmlns:r="http://schemas.openxmlformats.org/officeDocument/2006/relationships" xmlns:p="http://schemas.openxmlformats.org/presentationml/2006/main">
+  <p:cSld>
+    <p:spTree>
+      <p:nvGrpSpPr>
+        <p:cNvPr id="1" name=""/>
+        <p:cNvGrpSpPr/>
+        <p:nvPr/>
+      </p:nvGrpSpPr>
+      <p:grpSpPr>
+        <a:xfrm>
+          <a:off x="0" y="0"/>
+          <a:ext cx="0" cy="0"/>
+          <a:chOff x="0" y="0"/>
+          <a:chExt cx="0" cy="0"/>
+        </a:xfrm>
+      </p:grpSpPr>
+      <p:sp>
+        <p:nvSpPr>
+          <p:cNvPr id="2" name="Slide Image Placeholder 1"/>
+          <p:cNvSpPr>
+            <a:spLocks noGrp="1" noRot="1" noChangeAspect="1"/>
+          </p:cNvSpPr>
+          <p:nvPr>
+            <p:ph type="sldImg"/>
+          </p:nvPr>
+        </p:nvSpPr>
+        <p:spPr/>
+      </p:sp>
+      <p:sp>
+        <p:nvSpPr>
+          <p:cNvPr id="3" name="Notes Placeholder 2"/>
+          <p:cNvSpPr>
+            <a:spLocks noGrp="1"/>
+          </p:cNvSpPr>
+          <p:nvPr>
+            <p:ph type="body" idx="1"/>
+          </p:nvPr>
+        </p:nvSpPr>
+        <p:spPr/>
+        <p:txBody>
+          <a:bodyPr/>
+          <a:lstStyle/>
+          <a:p>
+            <a:endParaRPr lang="en-US" dirty="0"/>
+          </a:p>
+        </p:txBody>
+      </p:sp>
+      <p:sp>
+        <p:nvSpPr>
+          <p:cNvPr id="4" name="Slide Number Placeholder 3"/>
+          <p:cNvSpPr>
+            <a:spLocks noGrp="1"/>
+          </p:cNvSpPr>
+          <p:nvPr>
+            <p:ph type="sldNum" sz="quarter" idx="5"/>
+          </p:nvPr>
+        </p:nvSpPr>
+        <p:spPr/>
+        <p:txBody>
+          <a:bodyPr/>
+          <a:lstStyle/>
+          <a:p>
+            <a:fld id="{73DF58B2-D92E-7246-ABF8-72657071A3BC}" type="slidenum">
+              <a:rPr lang="en-US" smtClean="0"/>
+              <a:t>20</a:t>
+            </a:fld>
+            <a:endParaRPr lang="en-US"/>
+          </a:p>
+        </p:txBody>
+      </p:sp>
+    </p:spTree>
+    <p:extLst>
+      <p:ext uri="{BB962C8B-B14F-4D97-AF65-F5344CB8AC3E}">
+        <p14:creationId xmlns:p14="http://schemas.microsoft.com/office/powerpoint/2010/main" val="609652007"/>
+      </p:ext>
+    </p:extLst>
+  </p:cSld>
+  <p:clrMapOvr>
+    <a:masterClrMapping/>
+  </p:clrMapOvr>
+</p:notes>
+</file>
+
 <file path=ppt/slideLayouts/slideLayout1.xml><?xml version="1.0" encoding="utf-8"?>
 <p:sldLayout xmlns:a="http://schemas.openxmlformats.org/drawingml/2006/main" xmlns:r="http://schemas.openxmlformats.org/officeDocument/2006/relationships" xmlns:p="http://schemas.openxmlformats.org/presentationml/2006/main" type="title" preserve="1">
   <p:cSld name="Title Slide">
@@ -795,7 +1050,7 @@
           <a:p>
             <a:fld id="{133F6EC0-97F6-8F49-B618-A103ED2A84F0}" type="datetimeFigureOut">
               <a:rPr lang="en-US" smtClean="0"/>
-              <a:t>5/27/20</a:t>
+              <a:t>5/28/20</a:t>
             </a:fld>
             <a:endParaRPr lang="en-US"/>
           </a:p>
@@ -993,7 +1248,7 @@
           <a:p>
             <a:fld id="{133F6EC0-97F6-8F49-B618-A103ED2A84F0}" type="datetimeFigureOut">
               <a:rPr lang="en-US" smtClean="0"/>
-              <a:t>5/27/20</a:t>
+              <a:t>5/28/20</a:t>
             </a:fld>
             <a:endParaRPr lang="en-US"/>
           </a:p>
@@ -1201,7 +1456,7 @@
           <a:p>
             <a:fld id="{133F6EC0-97F6-8F49-B618-A103ED2A84F0}" type="datetimeFigureOut">
               <a:rPr lang="en-US" smtClean="0"/>
-              <a:t>5/27/20</a:t>
+              <a:t>5/28/20</a:t>
             </a:fld>
             <a:endParaRPr lang="en-US"/>
           </a:p>
@@ -1399,7 +1654,7 @@
           <a:p>
             <a:fld id="{133F6EC0-97F6-8F49-B618-A103ED2A84F0}" type="datetimeFigureOut">
               <a:rPr lang="en-US" smtClean="0"/>
-              <a:t>5/27/20</a:t>
+              <a:t>5/28/20</a:t>
             </a:fld>
             <a:endParaRPr lang="en-US"/>
           </a:p>
@@ -1674,7 +1929,7 @@
           <a:p>
             <a:fld id="{133F6EC0-97F6-8F49-B618-A103ED2A84F0}" type="datetimeFigureOut">
               <a:rPr lang="en-US" smtClean="0"/>
-              <a:t>5/27/20</a:t>
+              <a:t>5/28/20</a:t>
             </a:fld>
             <a:endParaRPr lang="en-US"/>
           </a:p>
@@ -1939,7 +2194,7 @@
           <a:p>
             <a:fld id="{133F6EC0-97F6-8F49-B618-A103ED2A84F0}" type="datetimeFigureOut">
               <a:rPr lang="en-US" smtClean="0"/>
-              <a:t>5/27/20</a:t>
+              <a:t>5/28/20</a:t>
             </a:fld>
             <a:endParaRPr lang="en-US"/>
           </a:p>
@@ -2351,7 +2606,7 @@
           <a:p>
             <a:fld id="{133F6EC0-97F6-8F49-B618-A103ED2A84F0}" type="datetimeFigureOut">
               <a:rPr lang="en-US" smtClean="0"/>
-              <a:t>5/27/20</a:t>
+              <a:t>5/28/20</a:t>
             </a:fld>
             <a:endParaRPr lang="en-US"/>
           </a:p>
@@ -2492,7 +2747,7 @@
           <a:p>
             <a:fld id="{133F6EC0-97F6-8F49-B618-A103ED2A84F0}" type="datetimeFigureOut">
               <a:rPr lang="en-US" smtClean="0"/>
-              <a:t>5/27/20</a:t>
+              <a:t>5/28/20</a:t>
             </a:fld>
             <a:endParaRPr lang="en-US"/>
           </a:p>
@@ -2605,7 +2860,7 @@
           <a:p>
             <a:fld id="{133F6EC0-97F6-8F49-B618-A103ED2A84F0}" type="datetimeFigureOut">
               <a:rPr lang="en-US" smtClean="0"/>
-              <a:t>5/27/20</a:t>
+              <a:t>5/28/20</a:t>
             </a:fld>
             <a:endParaRPr lang="en-US"/>
           </a:p>
@@ -2916,7 +3171,7 @@
           <a:p>
             <a:fld id="{133F6EC0-97F6-8F49-B618-A103ED2A84F0}" type="datetimeFigureOut">
               <a:rPr lang="en-US" smtClean="0"/>
-              <a:t>5/27/20</a:t>
+              <a:t>5/28/20</a:t>
             </a:fld>
             <a:endParaRPr lang="en-US"/>
           </a:p>
@@ -3204,7 +3459,7 @@
           <a:p>
             <a:fld id="{133F6EC0-97F6-8F49-B618-A103ED2A84F0}" type="datetimeFigureOut">
               <a:rPr lang="en-US" smtClean="0"/>
-              <a:t>5/27/20</a:t>
+              <a:t>5/28/20</a:t>
             </a:fld>
             <a:endParaRPr lang="en-US"/>
           </a:p>
@@ -3445,7 +3700,7 @@
           <a:p>
             <a:fld id="{133F6EC0-97F6-8F49-B618-A103ED2A84F0}" type="datetimeFigureOut">
               <a:rPr lang="en-US" smtClean="0"/>
-              <a:t>5/27/20</a:t>
+              <a:t>5/28/20</a:t>
             </a:fld>
             <a:endParaRPr lang="en-US"/>
           </a:p>
@@ -6242,7 +6497,7 @@
         <p:spPr>
           <a:xfrm>
             <a:off x="209551" y="152401"/>
-            <a:ext cx="11830050" cy="5909310"/>
+            <a:ext cx="11830050" cy="6647974"/>
           </a:xfrm>
           <a:prstGeom prst="rect">
             <a:avLst/>
@@ -6262,7 +6517,7 @@
                 </a:solidFill>
                 <a:latin typeface="Broadway" pitchFamily="82" charset="77"/>
               </a:rPr>
-              <a:t>LAON DEFAULT PREDICTION : </a:t>
+              <a:t>FEATURE CORRELATION : </a:t>
             </a:r>
           </a:p>
           <a:p>
@@ -6279,7 +6534,7 @@
                 <a:latin typeface="Arial Black" panose="020B0604020202020204" pitchFamily="34" charset="0"/>
                 <a:cs typeface="Arial Black" panose="020B0604020202020204" pitchFamily="34" charset="0"/>
               </a:rPr>
-              <a:t>Now we will apply various Machine Learning Algorithms to predict whether a particular client will be a default or not default in the next month.  </a:t>
+              <a:t>Pearson correlation among the time-based payment features </a:t>
             </a:r>
           </a:p>
           <a:p>
@@ -6293,6 +6548,33 @@
               <a:latin typeface="Arial Black" panose="020B0604020202020204" pitchFamily="34" charset="0"/>
               <a:cs typeface="Arial Black" panose="020B0604020202020204" pitchFamily="34" charset="0"/>
             </a:endParaRPr>
+          </a:p>
+          <a:p>
+            <a:endParaRPr lang="en-US" sz="2400" b="1" dirty="0">
+              <a:latin typeface="Arial Black" panose="020B0604020202020204" pitchFamily="34" charset="0"/>
+              <a:cs typeface="Arial Black" panose="020B0604020202020204" pitchFamily="34" charset="0"/>
+            </a:endParaRPr>
+          </a:p>
+          <a:p>
+            <a:endParaRPr lang="en-US" sz="2400" b="1" dirty="0">
+              <a:latin typeface="Arial Black" panose="020B0604020202020204" pitchFamily="34" charset="0"/>
+              <a:cs typeface="Arial Black" panose="020B0604020202020204" pitchFamily="34" charset="0"/>
+            </a:endParaRPr>
+          </a:p>
+          <a:p>
+            <a:endParaRPr lang="en-US" sz="2400" b="1" dirty="0">
+              <a:latin typeface="Arial Black" panose="020B0604020202020204" pitchFamily="34" charset="0"/>
+              <a:cs typeface="Arial Black" panose="020B0604020202020204" pitchFamily="34" charset="0"/>
+            </a:endParaRPr>
+          </a:p>
+          <a:p>
+            <a:r>
+              <a:rPr lang="en-US" sz="2400" b="1" dirty="0">
+                <a:latin typeface="Arial Black" panose="020B0604020202020204" pitchFamily="34" charset="0"/>
+                <a:cs typeface="Arial Black" panose="020B0604020202020204" pitchFamily="34" charset="0"/>
+              </a:rPr>
+              <a:t>  </a:t>
+            </a:r>
           </a:p>
           <a:p>
             <a:br>
@@ -6350,10 +6632,437 @@
           </a:p>
         </p:txBody>
       </p:sp>
+      <p:pic>
+        <p:nvPicPr>
+          <p:cNvPr id="3" name="Picture 2" descr="A screenshot of a cell phone&#10;&#10;Description automatically generated">
+            <a:extLst>
+              <a:ext uri="{FF2B5EF4-FFF2-40B4-BE49-F238E27FC236}">
+                <a16:creationId xmlns:a16="http://schemas.microsoft.com/office/drawing/2014/main" id="{E840F86D-421C-0946-915E-F8D5B8094FE5}"/>
+              </a:ext>
+            </a:extLst>
+          </p:cNvPr>
+          <p:cNvPicPr>
+            <a:picLocks noChangeAspect="1"/>
+          </p:cNvPicPr>
+          <p:nvPr/>
+        </p:nvPicPr>
+        <p:blipFill rotWithShape="1">
+          <a:blip r:embed="rId3"/>
+          <a:srcRect l="21706" t="31778" r="29076" b="18222"/>
+          <a:stretch/>
+        </p:blipFill>
+        <p:spPr>
+          <a:xfrm>
+            <a:off x="1066800" y="1342383"/>
+            <a:ext cx="9037320" cy="5436891"/>
+          </a:xfrm>
+          <a:prstGeom prst="rect">
+            <a:avLst/>
+          </a:prstGeom>
+        </p:spPr>
+      </p:pic>
     </p:spTree>
     <p:extLst>
       <p:ext uri="{BB962C8B-B14F-4D97-AF65-F5344CB8AC3E}">
         <p14:creationId xmlns:p14="http://schemas.microsoft.com/office/powerpoint/2010/main" val="1094446655"/>
+      </p:ext>
+    </p:extLst>
+  </p:cSld>
+  <p:clrMapOvr>
+    <a:masterClrMapping/>
+  </p:clrMapOvr>
+</p:sld>
+</file>
+
+<file path=ppt/slides/slide18.xml><?xml version="1.0" encoding="utf-8"?>
+<p:sld xmlns:a="http://schemas.openxmlformats.org/drawingml/2006/main" xmlns:r="http://schemas.openxmlformats.org/officeDocument/2006/relationships" xmlns:p="http://schemas.openxmlformats.org/presentationml/2006/main">
+  <p:cSld>
+    <p:spTree>
+      <p:nvGrpSpPr>
+        <p:cNvPr id="1" name=""/>
+        <p:cNvGrpSpPr/>
+        <p:nvPr/>
+      </p:nvGrpSpPr>
+      <p:grpSpPr>
+        <a:xfrm>
+          <a:off x="0" y="0"/>
+          <a:ext cx="0" cy="0"/>
+          <a:chOff x="0" y="0"/>
+          <a:chExt cx="0" cy="0"/>
+        </a:xfrm>
+      </p:grpSpPr>
+      <p:sp>
+        <p:nvSpPr>
+          <p:cNvPr id="4" name="TextBox 3">
+            <a:extLst>
+              <a:ext uri="{FF2B5EF4-FFF2-40B4-BE49-F238E27FC236}">
+                <a16:creationId xmlns:a16="http://schemas.microsoft.com/office/drawing/2014/main" id="{3C2D00BF-6B26-7941-9295-896FAE002E73}"/>
+              </a:ext>
+            </a:extLst>
+          </p:cNvPr>
+          <p:cNvSpPr txBox="1"/>
+          <p:nvPr/>
+        </p:nvSpPr>
+        <p:spPr>
+          <a:xfrm>
+            <a:off x="209551" y="152401"/>
+            <a:ext cx="11830050" cy="6278642"/>
+          </a:xfrm>
+          <a:prstGeom prst="rect">
+            <a:avLst/>
+          </a:prstGeom>
+          <a:noFill/>
+        </p:spPr>
+        <p:txBody>
+          <a:bodyPr wrap="square" rtlCol="0">
+            <a:spAutoFit/>
+          </a:bodyPr>
+          <a:lstStyle/>
+          <a:p>
+            <a:r>
+              <a:rPr lang="en-US" sz="2400" b="1" dirty="0">
+                <a:latin typeface="Arial Black" panose="020B0604020202020204" pitchFamily="34" charset="0"/>
+                <a:cs typeface="Arial Black" panose="020B0604020202020204" pitchFamily="34" charset="0"/>
+              </a:rPr>
+              <a:t>Pearson correlation bill amount</a:t>
+            </a:r>
+          </a:p>
+          <a:p>
+            <a:endParaRPr lang="en-US" sz="2400" b="1" dirty="0">
+              <a:latin typeface="Arial Black" panose="020B0604020202020204" pitchFamily="34" charset="0"/>
+              <a:cs typeface="Arial Black" panose="020B0604020202020204" pitchFamily="34" charset="0"/>
+            </a:endParaRPr>
+          </a:p>
+          <a:p>
+            <a:endParaRPr lang="en-US" sz="2400" b="1" dirty="0">
+              <a:latin typeface="Arial Black" panose="020B0604020202020204" pitchFamily="34" charset="0"/>
+              <a:cs typeface="Arial Black" panose="020B0604020202020204" pitchFamily="34" charset="0"/>
+            </a:endParaRPr>
+          </a:p>
+          <a:p>
+            <a:r>
+              <a:rPr lang="en-US" sz="2400" b="1" dirty="0">
+                <a:latin typeface="Arial Black" panose="020B0604020202020204" pitchFamily="34" charset="0"/>
+                <a:cs typeface="Arial Black" panose="020B0604020202020204" pitchFamily="34" charset="0"/>
+              </a:rPr>
+              <a:t> </a:t>
+            </a:r>
+          </a:p>
+          <a:p>
+            <a:endParaRPr lang="en-US" sz="2400" b="1" dirty="0">
+              <a:latin typeface="Arial Black" panose="020B0604020202020204" pitchFamily="34" charset="0"/>
+              <a:cs typeface="Arial Black" panose="020B0604020202020204" pitchFamily="34" charset="0"/>
+            </a:endParaRPr>
+          </a:p>
+          <a:p>
+            <a:endParaRPr lang="en-US" sz="2400" b="1" dirty="0">
+              <a:latin typeface="Arial Black" panose="020B0604020202020204" pitchFamily="34" charset="0"/>
+              <a:cs typeface="Arial Black" panose="020B0604020202020204" pitchFamily="34" charset="0"/>
+            </a:endParaRPr>
+          </a:p>
+          <a:p>
+            <a:endParaRPr lang="en-US" sz="2400" b="1" dirty="0">
+              <a:latin typeface="Arial Black" panose="020B0604020202020204" pitchFamily="34" charset="0"/>
+              <a:cs typeface="Arial Black" panose="020B0604020202020204" pitchFamily="34" charset="0"/>
+            </a:endParaRPr>
+          </a:p>
+          <a:p>
+            <a:r>
+              <a:rPr lang="en-US" sz="2400" b="1" dirty="0">
+                <a:latin typeface="Arial Black" panose="020B0604020202020204" pitchFamily="34" charset="0"/>
+                <a:cs typeface="Arial Black" panose="020B0604020202020204" pitchFamily="34" charset="0"/>
+              </a:rPr>
+              <a:t>  </a:t>
+            </a:r>
+          </a:p>
+          <a:p>
+            <a:br>
+              <a:rPr lang="en-US" sz="2400" b="1" dirty="0">
+                <a:latin typeface="Arial Black" panose="020B0604020202020204" pitchFamily="34" charset="0"/>
+                <a:cs typeface="Arial Black" panose="020B0604020202020204" pitchFamily="34" charset="0"/>
+              </a:rPr>
+            </a:br>
+            <a:br>
+              <a:rPr lang="en-US" sz="2400" b="1" dirty="0">
+                <a:latin typeface="Arial Black" panose="020B0604020202020204" pitchFamily="34" charset="0"/>
+                <a:cs typeface="Arial Black" panose="020B0604020202020204" pitchFamily="34" charset="0"/>
+              </a:rPr>
+            </a:br>
+            <a:endParaRPr lang="en-US" sz="2400" b="1" dirty="0">
+              <a:latin typeface="Arial Black" panose="020B0604020202020204" pitchFamily="34" charset="0"/>
+              <a:cs typeface="Arial Black" panose="020B0604020202020204" pitchFamily="34" charset="0"/>
+            </a:endParaRPr>
+          </a:p>
+          <a:p>
+            <a:endParaRPr lang="en-US" sz="2400" b="1" dirty="0">
+              <a:latin typeface="Arial Black" panose="020B0604020202020204" pitchFamily="34" charset="0"/>
+              <a:cs typeface="Arial Black" panose="020B0604020202020204" pitchFamily="34" charset="0"/>
+            </a:endParaRPr>
+          </a:p>
+          <a:p>
+            <a:endParaRPr lang="en-US" sz="2400" b="1" dirty="0">
+              <a:latin typeface="Arial Black" panose="020B0604020202020204" pitchFamily="34" charset="0"/>
+              <a:cs typeface="Arial Black" panose="020B0604020202020204" pitchFamily="34" charset="0"/>
+            </a:endParaRPr>
+          </a:p>
+          <a:p>
+            <a:endParaRPr lang="en-US" sz="2400" b="1" dirty="0">
+              <a:latin typeface="Arial Black" panose="020B0604020202020204" pitchFamily="34" charset="0"/>
+              <a:cs typeface="Arial Black" panose="020B0604020202020204" pitchFamily="34" charset="0"/>
+            </a:endParaRPr>
+          </a:p>
+          <a:p>
+            <a:endParaRPr lang="en-US" sz="2400" b="1" dirty="0">
+              <a:latin typeface="Arial Black" panose="020B0604020202020204" pitchFamily="34" charset="0"/>
+              <a:cs typeface="Arial Black" panose="020B0604020202020204" pitchFamily="34" charset="0"/>
+            </a:endParaRPr>
+          </a:p>
+          <a:p>
+            <a:endParaRPr lang="en-US" sz="2400" b="1" dirty="0">
+              <a:latin typeface="Arial Black" panose="020B0604020202020204" pitchFamily="34" charset="0"/>
+              <a:cs typeface="Arial Black" panose="020B0604020202020204" pitchFamily="34" charset="0"/>
+            </a:endParaRPr>
+          </a:p>
+          <a:p>
+            <a:endParaRPr lang="en-US" b="1" dirty="0">
+              <a:latin typeface="Arial Black" panose="020B0604020202020204" pitchFamily="34" charset="0"/>
+              <a:cs typeface="Arial Black" panose="020B0604020202020204" pitchFamily="34" charset="0"/>
+            </a:endParaRPr>
+          </a:p>
+        </p:txBody>
+      </p:sp>
+      <p:pic>
+        <p:nvPicPr>
+          <p:cNvPr id="5" name="Picture 4" descr="A screenshot of a cell phone&#10;&#10;Description automatically generated">
+            <a:extLst>
+              <a:ext uri="{FF2B5EF4-FFF2-40B4-BE49-F238E27FC236}">
+                <a16:creationId xmlns:a16="http://schemas.microsoft.com/office/drawing/2014/main" id="{1F829242-0EE2-334F-84C8-7492A168B82E}"/>
+              </a:ext>
+            </a:extLst>
+          </p:cNvPr>
+          <p:cNvPicPr>
+            <a:picLocks noChangeAspect="1"/>
+          </p:cNvPicPr>
+          <p:nvPr/>
+        </p:nvPicPr>
+        <p:blipFill rotWithShape="1">
+          <a:blip r:embed="rId3"/>
+          <a:srcRect l="20931" t="44975" r="34876" b="13433"/>
+          <a:stretch/>
+        </p:blipFill>
+        <p:spPr>
+          <a:xfrm>
+            <a:off x="381863" y="646038"/>
+            <a:ext cx="10651555" cy="5936466"/>
+          </a:xfrm>
+          <a:prstGeom prst="rect">
+            <a:avLst/>
+          </a:prstGeom>
+        </p:spPr>
+      </p:pic>
+    </p:spTree>
+    <p:extLst>
+      <p:ext uri="{BB962C8B-B14F-4D97-AF65-F5344CB8AC3E}">
+        <p14:creationId xmlns:p14="http://schemas.microsoft.com/office/powerpoint/2010/main" val="583382704"/>
+      </p:ext>
+    </p:extLst>
+  </p:cSld>
+  <p:clrMapOvr>
+    <a:masterClrMapping/>
+  </p:clrMapOvr>
+</p:sld>
+</file>
+
+<file path=ppt/slides/slide19.xml><?xml version="1.0" encoding="utf-8"?>
+<p:sld xmlns:a="http://schemas.openxmlformats.org/drawingml/2006/main" xmlns:r="http://schemas.openxmlformats.org/officeDocument/2006/relationships" xmlns:p="http://schemas.openxmlformats.org/presentationml/2006/main">
+  <p:cSld>
+    <p:spTree>
+      <p:nvGrpSpPr>
+        <p:cNvPr id="1" name=""/>
+        <p:cNvGrpSpPr/>
+        <p:nvPr/>
+      </p:nvGrpSpPr>
+      <p:grpSpPr>
+        <a:xfrm>
+          <a:off x="0" y="0"/>
+          <a:ext cx="0" cy="0"/>
+          <a:chOff x="0" y="0"/>
+          <a:chExt cx="0" cy="0"/>
+        </a:xfrm>
+      </p:grpSpPr>
+      <p:sp>
+        <p:nvSpPr>
+          <p:cNvPr id="4" name="TextBox 3">
+            <a:extLst>
+              <a:ext uri="{FF2B5EF4-FFF2-40B4-BE49-F238E27FC236}">
+                <a16:creationId xmlns:a16="http://schemas.microsoft.com/office/drawing/2014/main" id="{3C2D00BF-6B26-7941-9295-896FAE002E73}"/>
+              </a:ext>
+            </a:extLst>
+          </p:cNvPr>
+          <p:cNvSpPr txBox="1"/>
+          <p:nvPr/>
+        </p:nvSpPr>
+        <p:spPr>
+          <a:xfrm>
+            <a:off x="209551" y="152401"/>
+            <a:ext cx="11830050" cy="6278642"/>
+          </a:xfrm>
+          <a:prstGeom prst="rect">
+            <a:avLst/>
+          </a:prstGeom>
+          <a:noFill/>
+        </p:spPr>
+        <p:txBody>
+          <a:bodyPr wrap="square" rtlCol="0">
+            <a:spAutoFit/>
+          </a:bodyPr>
+          <a:lstStyle/>
+          <a:p>
+            <a:r>
+              <a:rPr lang="en-US" sz="2400" b="1" dirty="0">
+                <a:latin typeface="Arial Black" panose="020B0604020202020204" pitchFamily="34" charset="0"/>
+                <a:cs typeface="Arial Black" panose="020B0604020202020204" pitchFamily="34" charset="0"/>
+              </a:rPr>
+              <a:t>Pearson correlation pay amount</a:t>
+            </a:r>
+          </a:p>
+          <a:p>
+            <a:endParaRPr lang="en-US" sz="2400" b="1" dirty="0">
+              <a:latin typeface="Arial Black" panose="020B0604020202020204" pitchFamily="34" charset="0"/>
+              <a:cs typeface="Arial Black" panose="020B0604020202020204" pitchFamily="34" charset="0"/>
+            </a:endParaRPr>
+          </a:p>
+          <a:p>
+            <a:endParaRPr lang="en-US" sz="2400" b="1" dirty="0">
+              <a:latin typeface="Arial Black" panose="020B0604020202020204" pitchFamily="34" charset="0"/>
+              <a:cs typeface="Arial Black" panose="020B0604020202020204" pitchFamily="34" charset="0"/>
+            </a:endParaRPr>
+          </a:p>
+          <a:p>
+            <a:r>
+              <a:rPr lang="en-US" sz="2400" b="1" dirty="0">
+                <a:latin typeface="Arial Black" panose="020B0604020202020204" pitchFamily="34" charset="0"/>
+                <a:cs typeface="Arial Black" panose="020B0604020202020204" pitchFamily="34" charset="0"/>
+              </a:rPr>
+              <a:t> </a:t>
+            </a:r>
+          </a:p>
+          <a:p>
+            <a:endParaRPr lang="en-US" sz="2400" b="1" dirty="0">
+              <a:latin typeface="Arial Black" panose="020B0604020202020204" pitchFamily="34" charset="0"/>
+              <a:cs typeface="Arial Black" panose="020B0604020202020204" pitchFamily="34" charset="0"/>
+            </a:endParaRPr>
+          </a:p>
+          <a:p>
+            <a:endParaRPr lang="en-US" sz="2400" b="1" dirty="0">
+              <a:latin typeface="Arial Black" panose="020B0604020202020204" pitchFamily="34" charset="0"/>
+              <a:cs typeface="Arial Black" panose="020B0604020202020204" pitchFamily="34" charset="0"/>
+            </a:endParaRPr>
+          </a:p>
+          <a:p>
+            <a:endParaRPr lang="en-US" sz="2400" b="1" dirty="0">
+              <a:latin typeface="Arial Black" panose="020B0604020202020204" pitchFamily="34" charset="0"/>
+              <a:cs typeface="Arial Black" panose="020B0604020202020204" pitchFamily="34" charset="0"/>
+            </a:endParaRPr>
+          </a:p>
+          <a:p>
+            <a:r>
+              <a:rPr lang="en-US" sz="2400" b="1" dirty="0">
+                <a:latin typeface="Arial Black" panose="020B0604020202020204" pitchFamily="34" charset="0"/>
+                <a:cs typeface="Arial Black" panose="020B0604020202020204" pitchFamily="34" charset="0"/>
+              </a:rPr>
+              <a:t>  </a:t>
+            </a:r>
+          </a:p>
+          <a:p>
+            <a:br>
+              <a:rPr lang="en-US" sz="2400" b="1" dirty="0">
+                <a:latin typeface="Arial Black" panose="020B0604020202020204" pitchFamily="34" charset="0"/>
+                <a:cs typeface="Arial Black" panose="020B0604020202020204" pitchFamily="34" charset="0"/>
+              </a:rPr>
+            </a:br>
+            <a:br>
+              <a:rPr lang="en-US" sz="2400" b="1" dirty="0">
+                <a:latin typeface="Arial Black" panose="020B0604020202020204" pitchFamily="34" charset="0"/>
+                <a:cs typeface="Arial Black" panose="020B0604020202020204" pitchFamily="34" charset="0"/>
+              </a:rPr>
+            </a:br>
+            <a:endParaRPr lang="en-US" sz="2400" b="1" dirty="0">
+              <a:latin typeface="Arial Black" panose="020B0604020202020204" pitchFamily="34" charset="0"/>
+              <a:cs typeface="Arial Black" panose="020B0604020202020204" pitchFamily="34" charset="0"/>
+            </a:endParaRPr>
+          </a:p>
+          <a:p>
+            <a:endParaRPr lang="en-US" sz="2400" b="1" dirty="0">
+              <a:latin typeface="Arial Black" panose="020B0604020202020204" pitchFamily="34" charset="0"/>
+              <a:cs typeface="Arial Black" panose="020B0604020202020204" pitchFamily="34" charset="0"/>
+            </a:endParaRPr>
+          </a:p>
+          <a:p>
+            <a:endParaRPr lang="en-US" sz="2400" b="1" dirty="0">
+              <a:latin typeface="Arial Black" panose="020B0604020202020204" pitchFamily="34" charset="0"/>
+              <a:cs typeface="Arial Black" panose="020B0604020202020204" pitchFamily="34" charset="0"/>
+            </a:endParaRPr>
+          </a:p>
+          <a:p>
+            <a:endParaRPr lang="en-US" sz="2400" b="1" dirty="0">
+              <a:latin typeface="Arial Black" panose="020B0604020202020204" pitchFamily="34" charset="0"/>
+              <a:cs typeface="Arial Black" panose="020B0604020202020204" pitchFamily="34" charset="0"/>
+            </a:endParaRPr>
+          </a:p>
+          <a:p>
+            <a:endParaRPr lang="en-US" sz="2400" b="1" dirty="0">
+              <a:latin typeface="Arial Black" panose="020B0604020202020204" pitchFamily="34" charset="0"/>
+              <a:cs typeface="Arial Black" panose="020B0604020202020204" pitchFamily="34" charset="0"/>
+            </a:endParaRPr>
+          </a:p>
+          <a:p>
+            <a:endParaRPr lang="en-US" sz="2400" b="1" dirty="0">
+              <a:latin typeface="Arial Black" panose="020B0604020202020204" pitchFamily="34" charset="0"/>
+              <a:cs typeface="Arial Black" panose="020B0604020202020204" pitchFamily="34" charset="0"/>
+            </a:endParaRPr>
+          </a:p>
+          <a:p>
+            <a:endParaRPr lang="en-US" b="1" dirty="0">
+              <a:latin typeface="Arial Black" panose="020B0604020202020204" pitchFamily="34" charset="0"/>
+              <a:cs typeface="Arial Black" panose="020B0604020202020204" pitchFamily="34" charset="0"/>
+            </a:endParaRPr>
+          </a:p>
+        </p:txBody>
+      </p:sp>
+      <p:pic>
+        <p:nvPicPr>
+          <p:cNvPr id="3" name="Picture 2" descr="A screenshot of a cell phone&#10;&#10;Description automatically generated">
+            <a:extLst>
+              <a:ext uri="{FF2B5EF4-FFF2-40B4-BE49-F238E27FC236}">
+                <a16:creationId xmlns:a16="http://schemas.microsoft.com/office/drawing/2014/main" id="{F1D12F79-89A4-CD47-888B-807C97851CB4}"/>
+              </a:ext>
+            </a:extLst>
+          </p:cNvPr>
+          <p:cNvPicPr>
+            <a:picLocks noChangeAspect="1"/>
+          </p:cNvPicPr>
+          <p:nvPr/>
+        </p:nvPicPr>
+        <p:blipFill rotWithShape="1">
+          <a:blip r:embed="rId3"/>
+          <a:srcRect l="21504" t="34359" r="27932" b="20000"/>
+          <a:stretch/>
+        </p:blipFill>
+        <p:spPr>
+          <a:xfrm>
+            <a:off x="556360" y="676030"/>
+            <a:ext cx="11181342" cy="5976814"/>
+          </a:xfrm>
+          <a:prstGeom prst="rect">
+            <a:avLst/>
+          </a:prstGeom>
+        </p:spPr>
+      </p:pic>
+    </p:spTree>
+    <p:extLst>
+      <p:ext uri="{BB962C8B-B14F-4D97-AF65-F5344CB8AC3E}">
+        <p14:creationId xmlns:p14="http://schemas.microsoft.com/office/powerpoint/2010/main" val="1497720145"/>
       </p:ext>
     </p:extLst>
   </p:cSld>
@@ -6604,6 +7313,159 @@
     <p:extLst>
       <p:ext uri="{BB962C8B-B14F-4D97-AF65-F5344CB8AC3E}">
         <p14:creationId xmlns:p14="http://schemas.microsoft.com/office/powerpoint/2010/main" val="451694197"/>
+      </p:ext>
+    </p:extLst>
+  </p:cSld>
+  <p:clrMapOvr>
+    <a:masterClrMapping/>
+  </p:clrMapOvr>
+</p:sld>
+</file>
+
+<file path=ppt/slides/slide20.xml><?xml version="1.0" encoding="utf-8"?>
+<p:sld xmlns:a="http://schemas.openxmlformats.org/drawingml/2006/main" xmlns:r="http://schemas.openxmlformats.org/officeDocument/2006/relationships" xmlns:p="http://schemas.openxmlformats.org/presentationml/2006/main">
+  <p:cSld>
+    <p:spTree>
+      <p:nvGrpSpPr>
+        <p:cNvPr id="1" name=""/>
+        <p:cNvGrpSpPr/>
+        <p:nvPr/>
+      </p:nvGrpSpPr>
+      <p:grpSpPr>
+        <a:xfrm>
+          <a:off x="0" y="0"/>
+          <a:ext cx="0" cy="0"/>
+          <a:chOff x="0" y="0"/>
+          <a:chExt cx="0" cy="0"/>
+        </a:xfrm>
+      </p:grpSpPr>
+      <p:sp>
+        <p:nvSpPr>
+          <p:cNvPr id="4" name="TextBox 3">
+            <a:extLst>
+              <a:ext uri="{FF2B5EF4-FFF2-40B4-BE49-F238E27FC236}">
+                <a16:creationId xmlns:a16="http://schemas.microsoft.com/office/drawing/2014/main" id="{3C2D00BF-6B26-7941-9295-896FAE002E73}"/>
+              </a:ext>
+            </a:extLst>
+          </p:cNvPr>
+          <p:cNvSpPr txBox="1"/>
+          <p:nvPr/>
+        </p:nvSpPr>
+        <p:spPr>
+          <a:xfrm>
+            <a:off x="209551" y="152401"/>
+            <a:ext cx="11830050" cy="5539978"/>
+          </a:xfrm>
+          <a:prstGeom prst="rect">
+            <a:avLst/>
+          </a:prstGeom>
+          <a:noFill/>
+        </p:spPr>
+        <p:txBody>
+          <a:bodyPr wrap="square" rtlCol="0">
+            <a:spAutoFit/>
+          </a:bodyPr>
+          <a:lstStyle/>
+          <a:p>
+            <a:r>
+              <a:rPr lang="en-US" sz="2400" dirty="0">
+                <a:solidFill>
+                  <a:srgbClr val="2342FF"/>
+                </a:solidFill>
+                <a:latin typeface="Broadway" pitchFamily="82" charset="77"/>
+              </a:rPr>
+              <a:t>LAON DEFAULT PREDICTION : </a:t>
+            </a:r>
+          </a:p>
+          <a:p>
+            <a:endParaRPr lang="en-US" sz="2400" b="1" dirty="0">
+              <a:solidFill>
+                <a:srgbClr val="2342FF"/>
+              </a:solidFill>
+              <a:latin typeface="Broadway" pitchFamily="82" charset="77"/>
+            </a:endParaRPr>
+          </a:p>
+          <a:p>
+            <a:r>
+              <a:rPr lang="en-US" sz="2400" b="1" dirty="0">
+                <a:latin typeface="Arial Black" panose="020B0604020202020204" pitchFamily="34" charset="0"/>
+                <a:cs typeface="Arial Black" panose="020B0604020202020204" pitchFamily="34" charset="0"/>
+              </a:rPr>
+              <a:t>Now we will apply various Machine Learning Algorithms to predict whether clients will be a default or not default in the next month.  </a:t>
+            </a:r>
+          </a:p>
+          <a:p>
+            <a:endParaRPr lang="en-US" sz="2400" b="1" dirty="0">
+              <a:latin typeface="Arial Black" panose="020B0604020202020204" pitchFamily="34" charset="0"/>
+              <a:cs typeface="Arial Black" panose="020B0604020202020204" pitchFamily="34" charset="0"/>
+            </a:endParaRPr>
+          </a:p>
+          <a:p>
+            <a:endParaRPr lang="en-US" sz="2400" b="1" dirty="0">
+              <a:latin typeface="Arial Black" panose="020B0604020202020204" pitchFamily="34" charset="0"/>
+              <a:cs typeface="Arial Black" panose="020B0604020202020204" pitchFamily="34" charset="0"/>
+            </a:endParaRPr>
+          </a:p>
+          <a:p>
+            <a:br>
+              <a:rPr lang="en-US" sz="2400" b="1" dirty="0">
+                <a:latin typeface="Arial Black" panose="020B0604020202020204" pitchFamily="34" charset="0"/>
+                <a:cs typeface="Arial Black" panose="020B0604020202020204" pitchFamily="34" charset="0"/>
+              </a:rPr>
+            </a:br>
+            <a:br>
+              <a:rPr lang="en-US" sz="2400" b="1" dirty="0">
+                <a:latin typeface="Arial Black" panose="020B0604020202020204" pitchFamily="34" charset="0"/>
+                <a:cs typeface="Arial Black" panose="020B0604020202020204" pitchFamily="34" charset="0"/>
+              </a:rPr>
+            </a:br>
+            <a:endParaRPr lang="en-US" sz="2400" b="1" dirty="0">
+              <a:latin typeface="Arial Black" panose="020B0604020202020204" pitchFamily="34" charset="0"/>
+              <a:cs typeface="Arial Black" panose="020B0604020202020204" pitchFamily="34" charset="0"/>
+            </a:endParaRPr>
+          </a:p>
+          <a:p>
+            <a:endParaRPr lang="en-US" sz="2400" b="1" dirty="0">
+              <a:latin typeface="Arial Black" panose="020B0604020202020204" pitchFamily="34" charset="0"/>
+              <a:cs typeface="Arial Black" panose="020B0604020202020204" pitchFamily="34" charset="0"/>
+            </a:endParaRPr>
+          </a:p>
+          <a:p>
+            <a:endParaRPr lang="en-US" sz="2400" b="1" dirty="0">
+              <a:latin typeface="Arial Black" panose="020B0604020202020204" pitchFamily="34" charset="0"/>
+              <a:cs typeface="Arial Black" panose="020B0604020202020204" pitchFamily="34" charset="0"/>
+            </a:endParaRPr>
+          </a:p>
+          <a:p>
+            <a:endParaRPr lang="en-US" sz="2400" b="1" dirty="0">
+              <a:latin typeface="Arial Black" panose="020B0604020202020204" pitchFamily="34" charset="0"/>
+              <a:cs typeface="Arial Black" panose="020B0604020202020204" pitchFamily="34" charset="0"/>
+            </a:endParaRPr>
+          </a:p>
+          <a:p>
+            <a:endParaRPr lang="en-US" sz="2400" b="1" dirty="0">
+              <a:latin typeface="Arial Black" panose="020B0604020202020204" pitchFamily="34" charset="0"/>
+              <a:cs typeface="Arial Black" panose="020B0604020202020204" pitchFamily="34" charset="0"/>
+            </a:endParaRPr>
+          </a:p>
+          <a:p>
+            <a:endParaRPr lang="en-US" sz="2400" b="1" dirty="0">
+              <a:latin typeface="Arial Black" panose="020B0604020202020204" pitchFamily="34" charset="0"/>
+              <a:cs typeface="Arial Black" panose="020B0604020202020204" pitchFamily="34" charset="0"/>
+            </a:endParaRPr>
+          </a:p>
+          <a:p>
+            <a:endParaRPr lang="en-US" b="1" dirty="0">
+              <a:latin typeface="Arial Black" panose="020B0604020202020204" pitchFamily="34" charset="0"/>
+              <a:cs typeface="Arial Black" panose="020B0604020202020204" pitchFamily="34" charset="0"/>
+            </a:endParaRPr>
+          </a:p>
+        </p:txBody>
+      </p:sp>
+    </p:spTree>
+    <p:extLst>
+      <p:ext uri="{BB962C8B-B14F-4D97-AF65-F5344CB8AC3E}">
+        <p14:creationId xmlns:p14="http://schemas.microsoft.com/office/powerpoint/2010/main" val="888292318"/>
       </p:ext>
     </p:extLst>
   </p:cSld>
